--- a/DsDotNet/src/Doc/Navigation.pptx
+++ b/DsDotNet/src/Doc/Navigation.pptx
@@ -4451,18 +4451,18 @@
           <p:cNvCxnSpPr>
             <a:cxnSpLocks/>
             <a:stCxn id="47" idx="6"/>
-            <a:endCxn id="48" idx="6"/>
           </p:cNvCxnSpPr>
           <p:nvPr/>
         </p:nvCxnSpPr>
         <p:spPr>
           <a:xfrm flipH="1">
-            <a:off x="8426635" y="2892392"/>
-            <a:ext cx="11852" cy="2650613"/>
+            <a:off x="7964969" y="2892392"/>
+            <a:ext cx="473518" cy="2458717"/>
           </a:xfrm>
-          <a:prstGeom prst="bentConnector3">
+          <a:prstGeom prst="bentConnector4">
             <a:avLst>
-              <a:gd name="adj1" fmla="val -1928788"/>
+              <a:gd name="adj1" fmla="val -48277"/>
+              <a:gd name="adj2" fmla="val 53156"/>
             </a:avLst>
           </a:prstGeom>
           <a:ln>
@@ -4484,6 +4484,56 @@
           </a:fontRef>
         </p:style>
       </p:cxnSp>
+      <p:sp>
+        <p:nvSpPr>
+          <p:cNvPr id="54" name="타원 53">
+            <a:extLst>
+              <a:ext uri="{FF2B5EF4-FFF2-40B4-BE49-F238E27FC236}">
+                <a16:creationId xmlns:a16="http://schemas.microsoft.com/office/drawing/2014/main" id="{13FD3D1A-83CC-C4F6-E8D8-C5B8D6A78C8D}"/>
+              </a:ext>
+            </a:extLst>
+          </p:cNvPr>
+          <p:cNvSpPr/>
+          <p:nvPr/>
+        </p:nvSpPr>
+        <p:spPr>
+          <a:xfrm>
+            <a:off x="7770641" y="5251126"/>
+            <a:ext cx="187235" cy="150906"/>
+          </a:xfrm>
+          <a:prstGeom prst="ellipse">
+            <a:avLst/>
+          </a:prstGeom>
+        </p:spPr>
+        <p:style>
+          <a:lnRef idx="2">
+            <a:schemeClr val="accent1">
+              <a:shade val="50000"/>
+            </a:schemeClr>
+          </a:lnRef>
+          <a:fillRef idx="1">
+            <a:schemeClr val="accent1"/>
+          </a:fillRef>
+          <a:effectRef idx="0">
+            <a:schemeClr val="accent1"/>
+          </a:effectRef>
+          <a:fontRef idx="minor">
+            <a:schemeClr val="lt1"/>
+          </a:fontRef>
+        </p:style>
+        <p:txBody>
+          <a:bodyPr rtlCol="0" anchor="ctr"/>
+          <a:lstStyle/>
+          <a:p>
+            <a:pPr algn="ctr"/>
+            <a:r>
+              <a:rPr lang="en-US" altLang="ko-KR" dirty="0"/>
+              <a:t>ep</a:t>
+            </a:r>
+            <a:endParaRPr lang="ko-KR" altLang="en-US" dirty="0"/>
+          </a:p>
+        </p:txBody>
+      </p:sp>
     </p:spTree>
     <p:extLst>
       <p:ext uri="{BB962C8B-B14F-4D97-AF65-F5344CB8AC3E}">
